--- a/doc/祭奠堂.pptx
+++ b/doc/祭奠堂.pptx
@@ -6144,11 +6144,13 @@
         </p:nvSpPr>
         <p:spPr>
           <a:xfrm>
-            <a:off x="557652" y="1425218"/>
-            <a:ext cx="1728000" cy="576295"/>
+            <a:off x="557652" y="1425217"/>
+            <a:ext cx="1728000" cy="648000"/>
           </a:xfrm>
           <a:prstGeom prst="roundRect">
-            <a:avLst/>
+            <a:avLst>
+              <a:gd name="adj" fmla="val 11669"/>
+            </a:avLst>
           </a:prstGeom>
           <a:solidFill>
             <a:schemeClr val="bg1">
@@ -6236,7 +6238,7 @@
         </p:nvSpPr>
         <p:spPr>
           <a:xfrm>
-            <a:off x="557652" y="2001512"/>
+            <a:off x="557652" y="2066829"/>
             <a:ext cx="1728000" cy="508423"/>
           </a:xfrm>
           <a:prstGeom prst="roundRect">
@@ -6326,10 +6328,12 @@
         <p:spPr>
           <a:xfrm>
             <a:off x="2804166" y="1407554"/>
-            <a:ext cx="2019784" cy="576000"/>
+            <a:ext cx="2019784" cy="648000"/>
           </a:xfrm>
           <a:prstGeom prst="roundRect">
-            <a:avLst/>
+            <a:avLst>
+              <a:gd name="adj" fmla="val 12257"/>
+            </a:avLst>
           </a:prstGeom>
           <a:solidFill>
             <a:schemeClr val="bg1">
@@ -6417,7 +6421,7 @@
         </p:nvSpPr>
         <p:spPr>
           <a:xfrm>
-            <a:off x="2804166" y="1983554"/>
+            <a:off x="2804166" y="2048869"/>
             <a:ext cx="2019784" cy="668722"/>
           </a:xfrm>
           <a:prstGeom prst="roundRect">
@@ -6697,11 +6701,13 @@
         </p:nvSpPr>
         <p:spPr>
           <a:xfrm>
-            <a:off x="712379" y="1133409"/>
-            <a:ext cx="2051982" cy="576000"/>
+            <a:off x="712379" y="1506634"/>
+            <a:ext cx="2051982" cy="648000"/>
           </a:xfrm>
           <a:prstGeom prst="roundRect">
-            <a:avLst/>
+            <a:avLst>
+              <a:gd name="adj" fmla="val 12551"/>
+            </a:avLst>
           </a:prstGeom>
           <a:solidFill>
             <a:schemeClr val="bg1">
@@ -6789,7 +6795,7 @@
         </p:nvSpPr>
         <p:spPr>
           <a:xfrm>
-            <a:off x="712379" y="1708161"/>
+            <a:off x="712379" y="2156034"/>
             <a:ext cx="2051982" cy="913741"/>
           </a:xfrm>
           <a:prstGeom prst="roundRect">
@@ -7092,10 +7098,12 @@
         <p:spPr>
           <a:xfrm>
             <a:off x="712379" y="1637986"/>
-            <a:ext cx="1728000" cy="576000"/>
+            <a:ext cx="1728000" cy="648000"/>
           </a:xfrm>
           <a:prstGeom prst="roundRect">
-            <a:avLst/>
+            <a:avLst>
+              <a:gd name="adj" fmla="val 12355"/>
+            </a:avLst>
           </a:prstGeom>
           <a:solidFill>
             <a:schemeClr val="bg1">
@@ -7183,7 +7191,7 @@
         </p:nvSpPr>
         <p:spPr>
           <a:xfrm>
-            <a:off x="712379" y="2212739"/>
+            <a:off x="712379" y="2287387"/>
             <a:ext cx="1728000" cy="1216261"/>
           </a:xfrm>
           <a:prstGeom prst="roundRect">
@@ -7361,10 +7369,12 @@
         <p:spPr>
           <a:xfrm>
             <a:off x="2811708" y="1637986"/>
-            <a:ext cx="2453497" cy="576000"/>
+            <a:ext cx="2453497" cy="648000"/>
           </a:xfrm>
           <a:prstGeom prst="roundRect">
-            <a:avLst/>
+            <a:avLst>
+              <a:gd name="adj" fmla="val 13531"/>
+            </a:avLst>
           </a:prstGeom>
           <a:solidFill>
             <a:schemeClr val="bg1">
@@ -7452,7 +7462,7 @@
         </p:nvSpPr>
         <p:spPr>
           <a:xfrm>
-            <a:off x="2811709" y="2212739"/>
+            <a:off x="2811709" y="2287387"/>
             <a:ext cx="2453498" cy="698101"/>
           </a:xfrm>
           <a:prstGeom prst="roundRect">
@@ -7582,10 +7592,12 @@
         <p:spPr>
           <a:xfrm>
             <a:off x="712379" y="4395513"/>
-            <a:ext cx="1728000" cy="576000"/>
+            <a:ext cx="1728000" cy="648000"/>
           </a:xfrm>
           <a:prstGeom prst="roundRect">
-            <a:avLst/>
+            <a:avLst>
+              <a:gd name="adj" fmla="val 11963"/>
+            </a:avLst>
           </a:prstGeom>
           <a:solidFill>
             <a:schemeClr val="bg1">
@@ -7673,7 +7685,7 @@
         </p:nvSpPr>
         <p:spPr>
           <a:xfrm>
-            <a:off x="712379" y="4970265"/>
+            <a:off x="712379" y="5044913"/>
             <a:ext cx="1728000" cy="1431467"/>
           </a:xfrm>
           <a:prstGeom prst="roundRect">
@@ -8059,10 +8071,12 @@
         <p:spPr>
           <a:xfrm>
             <a:off x="712379" y="1577668"/>
-            <a:ext cx="1728000" cy="576000"/>
+            <a:ext cx="1728000" cy="648000"/>
           </a:xfrm>
           <a:prstGeom prst="roundRect">
-            <a:avLst/>
+            <a:avLst>
+              <a:gd name="adj" fmla="val 12551"/>
+            </a:avLst>
           </a:prstGeom>
           <a:solidFill>
             <a:schemeClr val="bg1">
@@ -8150,7 +8164,7 @@
         </p:nvSpPr>
         <p:spPr>
           <a:xfrm>
-            <a:off x="712379" y="2152420"/>
+            <a:off x="712379" y="2227068"/>
             <a:ext cx="1728000" cy="1431467"/>
           </a:xfrm>
           <a:prstGeom prst="roundRect">
@@ -8535,8 +8549,8 @@
         </p:nvSpPr>
         <p:spPr>
           <a:xfrm>
-            <a:off x="471489" y="1518574"/>
-            <a:ext cx="1728000" cy="576000"/>
+            <a:off x="712379" y="1533814"/>
+            <a:ext cx="1728000" cy="648000"/>
           </a:xfrm>
           <a:prstGeom prst="roundRect">
             <a:avLst/>
@@ -8627,7 +8641,7 @@
         </p:nvSpPr>
         <p:spPr>
           <a:xfrm>
-            <a:off x="471489" y="2093328"/>
+            <a:off x="712379" y="2177148"/>
             <a:ext cx="1728000" cy="1216260"/>
           </a:xfrm>
           <a:prstGeom prst="roundRect">
